--- a/diagrams/workflow.pptx
+++ b/diagrams/workflow.pptx
@@ -104,6 +104,11 @@
       </a:defRPr>
     </a:lvl9pPr>
   </p:defaultTextStyle>
+  <p:extLst>
+    <p:ext uri="{EFAFB233-063F-42B5-8137-9DF3F51BA10A}">
+      <p15:sldGuideLst xmlns:p15="http://schemas.microsoft.com/office/powerpoint/2012/main"/>
+    </p:ext>
+  </p:extLst>
 </p:presentation>
 </file>
 
@@ -256,7 +261,7 @@
           <a:p>
             <a:fld id="{D1F14E65-AE51-EA45-B119-C599A3659E10}" type="datetimeFigureOut">
               <a:rPr lang="en-US" smtClean="0"/>
-              <a:t>7/1/21</a:t>
+              <a:t>7/16/21</a:t>
             </a:fld>
             <a:endParaRPr lang="en-US"/>
           </a:p>
@@ -456,7 +461,7 @@
           <a:p>
             <a:fld id="{D1F14E65-AE51-EA45-B119-C599A3659E10}" type="datetimeFigureOut">
               <a:rPr lang="en-US" smtClean="0"/>
-              <a:t>7/1/21</a:t>
+              <a:t>7/16/21</a:t>
             </a:fld>
             <a:endParaRPr lang="en-US"/>
           </a:p>
@@ -666,7 +671,7 @@
           <a:p>
             <a:fld id="{D1F14E65-AE51-EA45-B119-C599A3659E10}" type="datetimeFigureOut">
               <a:rPr lang="en-US" smtClean="0"/>
-              <a:t>7/1/21</a:t>
+              <a:t>7/16/21</a:t>
             </a:fld>
             <a:endParaRPr lang="en-US"/>
           </a:p>
@@ -866,7 +871,7 @@
           <a:p>
             <a:fld id="{D1F14E65-AE51-EA45-B119-C599A3659E10}" type="datetimeFigureOut">
               <a:rPr lang="en-US" smtClean="0"/>
-              <a:t>7/1/21</a:t>
+              <a:t>7/16/21</a:t>
             </a:fld>
             <a:endParaRPr lang="en-US"/>
           </a:p>
@@ -1142,7 +1147,7 @@
           <a:p>
             <a:fld id="{D1F14E65-AE51-EA45-B119-C599A3659E10}" type="datetimeFigureOut">
               <a:rPr lang="en-US" smtClean="0"/>
-              <a:t>7/1/21</a:t>
+              <a:t>7/16/21</a:t>
             </a:fld>
             <a:endParaRPr lang="en-US"/>
           </a:p>
@@ -1410,7 +1415,7 @@
           <a:p>
             <a:fld id="{D1F14E65-AE51-EA45-B119-C599A3659E10}" type="datetimeFigureOut">
               <a:rPr lang="en-US" smtClean="0"/>
-              <a:t>7/1/21</a:t>
+              <a:t>7/16/21</a:t>
             </a:fld>
             <a:endParaRPr lang="en-US"/>
           </a:p>
@@ -1825,7 +1830,7 @@
           <a:p>
             <a:fld id="{D1F14E65-AE51-EA45-B119-C599A3659E10}" type="datetimeFigureOut">
               <a:rPr lang="en-US" smtClean="0"/>
-              <a:t>7/1/21</a:t>
+              <a:t>7/16/21</a:t>
             </a:fld>
             <a:endParaRPr lang="en-US"/>
           </a:p>
@@ -1967,7 +1972,7 @@
           <a:p>
             <a:fld id="{D1F14E65-AE51-EA45-B119-C599A3659E10}" type="datetimeFigureOut">
               <a:rPr lang="en-US" smtClean="0"/>
-              <a:t>7/1/21</a:t>
+              <a:t>7/16/21</a:t>
             </a:fld>
             <a:endParaRPr lang="en-US"/>
           </a:p>
@@ -2080,7 +2085,7 @@
           <a:p>
             <a:fld id="{D1F14E65-AE51-EA45-B119-C599A3659E10}" type="datetimeFigureOut">
               <a:rPr lang="en-US" smtClean="0"/>
-              <a:t>7/1/21</a:t>
+              <a:t>7/16/21</a:t>
             </a:fld>
             <a:endParaRPr lang="en-US"/>
           </a:p>
@@ -2393,7 +2398,7 @@
           <a:p>
             <a:fld id="{D1F14E65-AE51-EA45-B119-C599A3659E10}" type="datetimeFigureOut">
               <a:rPr lang="en-US" smtClean="0"/>
-              <a:t>7/1/21</a:t>
+              <a:t>7/16/21</a:t>
             </a:fld>
             <a:endParaRPr lang="en-US"/>
           </a:p>
@@ -2682,7 +2687,7 @@
           <a:p>
             <a:fld id="{D1F14E65-AE51-EA45-B119-C599A3659E10}" type="datetimeFigureOut">
               <a:rPr lang="en-US" smtClean="0"/>
-              <a:t>7/1/21</a:t>
+              <a:t>7/16/21</a:t>
             </a:fld>
             <a:endParaRPr lang="en-US"/>
           </a:p>
@@ -2925,7 +2930,7 @@
           <a:p>
             <a:fld id="{D1F14E65-AE51-EA45-B119-C599A3659E10}" type="datetimeFigureOut">
               <a:rPr lang="en-US" smtClean="0"/>
-              <a:t>7/1/21</a:t>
+              <a:t>7/16/21</a:t>
             </a:fld>
             <a:endParaRPr lang="en-US"/>
           </a:p>
@@ -3344,10 +3349,10 @@
       </p:grpSpPr>
       <p:grpSp>
         <p:nvGrpSpPr>
-          <p:cNvPr id="45" name="Group 44">
-            <a:extLst>
-              <a:ext uri="{FF2B5EF4-FFF2-40B4-BE49-F238E27FC236}">
-                <a16:creationId xmlns:a16="http://schemas.microsoft.com/office/drawing/2014/main" id="{A79D6302-C876-B348-AF44-C63AFD1803C1}"/>
+          <p:cNvPr id="34" name="Group 33">
+            <a:extLst>
+              <a:ext uri="{FF2B5EF4-FFF2-40B4-BE49-F238E27FC236}">
+                <a16:creationId xmlns:a16="http://schemas.microsoft.com/office/drawing/2014/main" id="{D86FE8A8-2697-4B49-9902-165F6078F014}"/>
               </a:ext>
             </a:extLst>
           </p:cNvPr>
@@ -3356,10 +3361,10 @@
         </p:nvGrpSpPr>
         <p:grpSpPr>
           <a:xfrm>
-            <a:off x="221746" y="1717607"/>
-            <a:ext cx="11727808" cy="2669839"/>
-            <a:chOff x="221746" y="1717607"/>
-            <a:chExt cx="11727808" cy="2669839"/>
+            <a:off x="221746" y="1245308"/>
+            <a:ext cx="11727808" cy="4128455"/>
+            <a:chOff x="221746" y="1245308"/>
+            <a:chExt cx="11727808" cy="4128455"/>
           </a:xfrm>
         </p:grpSpPr>
         <p:sp>
@@ -3376,17 +3381,13 @@
           </p:nvSpPr>
           <p:spPr>
             <a:xfrm>
-              <a:off x="221746" y="1717608"/>
+              <a:off x="221746" y="2703925"/>
               <a:ext cx="1457014" cy="2655878"/>
             </a:xfrm>
             <a:prstGeom prst="rect">
               <a:avLst/>
             </a:prstGeom>
-            <a:solidFill>
-              <a:schemeClr val="bg1">
-                <a:lumMod val="95000"/>
-              </a:schemeClr>
-            </a:solidFill>
+            <a:noFill/>
             <a:ln w="38100">
               <a:solidFill>
                 <a:srgbClr val="E494D3"/>
@@ -3439,17 +3440,13 @@
           </p:nvSpPr>
           <p:spPr>
             <a:xfrm>
-              <a:off x="1979062" y="1717607"/>
+              <a:off x="1979062" y="2703924"/>
               <a:ext cx="1457014" cy="2655878"/>
             </a:xfrm>
             <a:prstGeom prst="rect">
               <a:avLst/>
             </a:prstGeom>
-            <a:solidFill>
-              <a:schemeClr val="bg1">
-                <a:lumMod val="95000"/>
-              </a:schemeClr>
-            </a:solidFill>
+            <a:noFill/>
             <a:ln w="38100">
               <a:solidFill>
                 <a:srgbClr val="87DCC0"/>
@@ -3502,17 +3499,13 @@
           </p:nvSpPr>
           <p:spPr>
             <a:xfrm>
-              <a:off x="3736378" y="1717607"/>
+              <a:off x="3736378" y="2703924"/>
               <a:ext cx="1187718" cy="1210028"/>
             </a:xfrm>
             <a:prstGeom prst="rect">
               <a:avLst/>
             </a:prstGeom>
-            <a:solidFill>
-              <a:schemeClr val="bg1">
-                <a:lumMod val="95000"/>
-              </a:schemeClr>
-            </a:solidFill>
+            <a:noFill/>
             <a:ln w="38100">
               <a:solidFill>
                 <a:srgbClr val="88BBE4"/>
@@ -3565,17 +3558,13 @@
           </p:nvSpPr>
           <p:spPr>
             <a:xfrm>
-              <a:off x="3736378" y="3163459"/>
+              <a:off x="3736378" y="4149776"/>
               <a:ext cx="1187718" cy="1210028"/>
             </a:xfrm>
             <a:prstGeom prst="rect">
               <a:avLst/>
             </a:prstGeom>
-            <a:solidFill>
-              <a:schemeClr val="bg1">
-                <a:lumMod val="95000"/>
-              </a:schemeClr>
-            </a:solidFill>
+            <a:noFill/>
             <a:ln w="38100">
               <a:solidFill>
                 <a:srgbClr val="88BBE4"/>
@@ -3628,17 +3617,13 @@
           </p:nvSpPr>
           <p:spPr>
             <a:xfrm>
-              <a:off x="5239687" y="1725078"/>
+              <a:off x="5239687" y="2711395"/>
               <a:ext cx="1519612" cy="2655879"/>
             </a:xfrm>
             <a:prstGeom prst="rect">
               <a:avLst/>
             </a:prstGeom>
-            <a:solidFill>
-              <a:schemeClr val="bg1">
-                <a:lumMod val="95000"/>
-              </a:schemeClr>
-            </a:solidFill>
+            <a:noFill/>
             <a:ln w="38100">
               <a:solidFill>
                 <a:srgbClr val="998AD3"/>
@@ -3695,7 +3680,7 @@
           </p:nvCxnSpPr>
           <p:spPr>
             <a:xfrm flipV="1">
-              <a:off x="1678760" y="3045546"/>
+              <a:off x="1678760" y="4031863"/>
               <a:ext cx="300302" cy="1"/>
             </a:xfrm>
             <a:prstGeom prst="straightConnector1">
@@ -3741,7 +3726,7 @@
           </p:nvCxnSpPr>
           <p:spPr>
             <a:xfrm rot="10800000" flipV="1">
-              <a:off x="3736378" y="2322621"/>
+              <a:off x="3736378" y="3308938"/>
               <a:ext cx="12700" cy="1445852"/>
             </a:xfrm>
             <a:prstGeom prst="curvedConnector3">
@@ -3789,7 +3774,7 @@
           </p:nvCxnSpPr>
           <p:spPr>
             <a:xfrm flipV="1">
-              <a:off x="4924096" y="2322621"/>
+              <a:off x="4924096" y="3308938"/>
               <a:ext cx="12700" cy="1445852"/>
             </a:xfrm>
             <a:prstGeom prst="curvedConnector3">
@@ -3835,7 +3820,7 @@
           </p:nvCxnSpPr>
           <p:spPr>
             <a:xfrm>
-              <a:off x="4936796" y="1731567"/>
+              <a:off x="4936796" y="2717884"/>
               <a:ext cx="302891" cy="0"/>
             </a:xfrm>
             <a:prstGeom prst="straightConnector1">
@@ -3879,7 +3864,7 @@
           </p:nvCxnSpPr>
           <p:spPr>
             <a:xfrm>
-              <a:off x="3448418" y="1731567"/>
+              <a:off x="3448418" y="2717884"/>
               <a:ext cx="287959" cy="0"/>
             </a:xfrm>
             <a:prstGeom prst="straightConnector1">
@@ -3921,17 +3906,13 @@
           </p:nvSpPr>
           <p:spPr>
             <a:xfrm>
-              <a:off x="7074890" y="1724275"/>
+              <a:off x="7074890" y="2710592"/>
               <a:ext cx="1519612" cy="2655879"/>
             </a:xfrm>
             <a:prstGeom prst="rect">
               <a:avLst/>
             </a:prstGeom>
-            <a:solidFill>
-              <a:schemeClr val="bg1">
-                <a:lumMod val="95000"/>
-              </a:schemeClr>
-            </a:solidFill>
+            <a:noFill/>
             <a:ln w="38100">
               <a:solidFill>
                 <a:srgbClr val="CDF1AF"/>
@@ -3988,7 +3969,7 @@
           </p:nvCxnSpPr>
           <p:spPr>
             <a:xfrm flipV="1">
-              <a:off x="6759299" y="3052215"/>
+              <a:off x="6759299" y="4038532"/>
               <a:ext cx="315591" cy="803"/>
             </a:xfrm>
             <a:prstGeom prst="straightConnector1">
@@ -4030,17 +4011,13 @@
           </p:nvSpPr>
           <p:spPr>
             <a:xfrm>
-              <a:off x="8910093" y="1731567"/>
+              <a:off x="8910093" y="2717884"/>
               <a:ext cx="1187718" cy="1210028"/>
             </a:xfrm>
             <a:prstGeom prst="rect">
               <a:avLst/>
             </a:prstGeom>
-            <a:solidFill>
-              <a:schemeClr val="bg1">
-                <a:lumMod val="95000"/>
-              </a:schemeClr>
-            </a:solidFill>
+            <a:noFill/>
             <a:ln w="38100">
               <a:solidFill>
                 <a:srgbClr val="FDD1D2"/>
@@ -4093,17 +4070,13 @@
           </p:nvSpPr>
           <p:spPr>
             <a:xfrm>
-              <a:off x="8910093" y="3171693"/>
+              <a:off x="8910093" y="4158010"/>
               <a:ext cx="1187718" cy="1210028"/>
             </a:xfrm>
             <a:prstGeom prst="rect">
               <a:avLst/>
             </a:prstGeom>
-            <a:solidFill>
-              <a:schemeClr val="bg1">
-                <a:lumMod val="95000"/>
-              </a:schemeClr>
-            </a:solidFill>
+            <a:noFill/>
             <a:ln w="38100">
               <a:solidFill>
                 <a:srgbClr val="FDD1D2"/>
@@ -4160,7 +4133,7 @@
           </p:nvCxnSpPr>
           <p:spPr>
             <a:xfrm rot="10800000" flipV="1">
-              <a:off x="8910093" y="2336581"/>
+              <a:off x="8910093" y="3322898"/>
               <a:ext cx="12700" cy="1440126"/>
             </a:xfrm>
             <a:prstGeom prst="curvedConnector3">
@@ -4208,7 +4181,7 @@
           </p:nvCxnSpPr>
           <p:spPr>
             <a:xfrm flipV="1">
-              <a:off x="10097811" y="2336581"/>
+              <a:off x="10097811" y="3322898"/>
               <a:ext cx="12700" cy="1440126"/>
             </a:xfrm>
             <a:prstGeom prst="curvedConnector3">
@@ -4254,7 +4227,7 @@
           </p:nvCxnSpPr>
           <p:spPr>
             <a:xfrm>
-              <a:off x="8594502" y="1731567"/>
+              <a:off x="8594502" y="2717884"/>
               <a:ext cx="302891" cy="0"/>
             </a:xfrm>
             <a:prstGeom prst="straightConnector1">
@@ -4296,17 +4269,13 @@
           </p:nvSpPr>
           <p:spPr>
             <a:xfrm>
-              <a:off x="10429942" y="1731567"/>
+              <a:off x="10429942" y="2717884"/>
               <a:ext cx="1519612" cy="2655879"/>
             </a:xfrm>
             <a:prstGeom prst="rect">
               <a:avLst/>
             </a:prstGeom>
-            <a:solidFill>
-              <a:schemeClr val="bg1">
-                <a:lumMod val="95000"/>
-              </a:schemeClr>
-            </a:solidFill>
+            <a:noFill/>
             <a:ln w="38100">
               <a:solidFill>
                 <a:srgbClr val="96D4CC"/>
@@ -4361,7 +4330,7 @@
           </p:nvCxnSpPr>
           <p:spPr>
             <a:xfrm>
-              <a:off x="10110511" y="1731567"/>
+              <a:off x="10110511" y="2717884"/>
               <a:ext cx="302891" cy="0"/>
             </a:xfrm>
             <a:prstGeom prst="straightConnector1">
@@ -4371,6 +4340,205 @@
               <a:solidFill>
                 <a:srgbClr val="D4BBDD"/>
               </a:solidFill>
+              <a:tailEnd type="triangle"/>
+            </a:ln>
+          </p:spPr>
+          <p:style>
+            <a:lnRef idx="1">
+              <a:schemeClr val="accent1"/>
+            </a:lnRef>
+            <a:fillRef idx="0">
+              <a:schemeClr val="accent1"/>
+            </a:fillRef>
+            <a:effectRef idx="0">
+              <a:schemeClr val="accent1"/>
+            </a:effectRef>
+            <a:fontRef idx="minor">
+              <a:schemeClr val="tx1"/>
+            </a:fontRef>
+          </p:style>
+        </p:cxnSp>
+        <p:sp>
+          <p:nvSpPr>
+            <p:cNvPr id="23" name="Rectangle 22">
+              <a:extLst>
+                <a:ext uri="{FF2B5EF4-FFF2-40B4-BE49-F238E27FC236}">
+                  <a16:creationId xmlns:a16="http://schemas.microsoft.com/office/drawing/2014/main" id="{66C847DD-8A26-814E-8978-0880E40471AF}"/>
+                </a:ext>
+              </a:extLst>
+            </p:cNvPr>
+            <p:cNvSpPr/>
+            <p:nvPr/>
+          </p:nvSpPr>
+          <p:spPr>
+            <a:xfrm>
+              <a:off x="5444577" y="1245308"/>
+              <a:ext cx="2945033" cy="1210028"/>
+            </a:xfrm>
+            <a:prstGeom prst="rect">
+              <a:avLst/>
+            </a:prstGeom>
+            <a:noFill/>
+            <a:ln w="19050">
+              <a:solidFill>
+                <a:srgbClr val="D4BBDD"/>
+              </a:solidFill>
+              <a:prstDash val="sysDash"/>
+            </a:ln>
+          </p:spPr>
+          <p:style>
+            <a:lnRef idx="2">
+              <a:schemeClr val="accent1">
+                <a:shade val="50000"/>
+              </a:schemeClr>
+            </a:lnRef>
+            <a:fillRef idx="1">
+              <a:schemeClr val="accent1"/>
+            </a:fillRef>
+            <a:effectRef idx="0">
+              <a:schemeClr val="accent1"/>
+            </a:effectRef>
+            <a:fontRef idx="minor">
+              <a:schemeClr val="lt1"/>
+            </a:fontRef>
+          </p:style>
+          <p:txBody>
+            <a:bodyPr rtlCol="0" anchor="ctr"/>
+            <a:lstStyle/>
+            <a:p>
+              <a:pPr marL="285750" indent="-285750" algn="ctr">
+                <a:buFont typeface="Arial" panose="020B0604020202020204" pitchFamily="34" charset="0"/>
+                <a:buChar char="•"/>
+              </a:pPr>
+              <a:r>
+                <a:rPr lang="en-AU" sz="1600" dirty="0">
+                  <a:solidFill>
+                    <a:schemeClr val="tx1"/>
+                  </a:solidFill>
+                </a:rPr>
+                <a:t>Posterior predictive checks</a:t>
+              </a:r>
+            </a:p>
+            <a:p>
+              <a:pPr marL="285750" indent="-285750" algn="ctr">
+                <a:buFont typeface="Arial" panose="020B0604020202020204" pitchFamily="34" charset="0"/>
+                <a:buChar char="•"/>
+              </a:pPr>
+              <a:r>
+                <a:rPr lang="en-AU" sz="1600" dirty="0">
+                  <a:solidFill>
+                    <a:schemeClr val="tx1"/>
+                  </a:solidFill>
+                </a:rPr>
+                <a:t>Prior predictive checks</a:t>
+              </a:r>
+            </a:p>
+            <a:p>
+              <a:pPr marL="285750" indent="-285750" algn="ctr">
+                <a:buFont typeface="Arial" panose="020B0604020202020204" pitchFamily="34" charset="0"/>
+                <a:buChar char="•"/>
+              </a:pPr>
+              <a:r>
+                <a:rPr lang="en-AU" sz="1600" dirty="0">
+                  <a:solidFill>
+                    <a:schemeClr val="tx1"/>
+                  </a:solidFill>
+                </a:rPr>
+                <a:t>Chain convergence</a:t>
+              </a:r>
+            </a:p>
+            <a:p>
+              <a:pPr marL="285750" indent="-285750" algn="ctr">
+                <a:buFont typeface="Arial" panose="020B0604020202020204" pitchFamily="34" charset="0"/>
+                <a:buChar char="•"/>
+              </a:pPr>
+              <a:r>
+                <a:rPr lang="en-AU" sz="1600" dirty="0">
+                  <a:solidFill>
+                    <a:schemeClr val="tx1"/>
+                  </a:solidFill>
+                </a:rPr>
+                <a:t>Leave-One-Out Cross-Validation</a:t>
+              </a:r>
+            </a:p>
+          </p:txBody>
+        </p:sp>
+        <p:cxnSp>
+          <p:nvCxnSpPr>
+            <p:cNvPr id="8" name="Straight Arrow Connector 7">
+              <a:extLst>
+                <a:ext uri="{FF2B5EF4-FFF2-40B4-BE49-F238E27FC236}">
+                  <a16:creationId xmlns:a16="http://schemas.microsoft.com/office/drawing/2014/main" id="{C5F4AE7A-181A-4B43-A283-875456AB1181}"/>
+                </a:ext>
+              </a:extLst>
+            </p:cNvPr>
+            <p:cNvCxnSpPr>
+              <a:cxnSpLocks/>
+              <a:stCxn id="19" idx="0"/>
+              <a:endCxn id="23" idx="1"/>
+            </p:cNvCxnSpPr>
+            <p:nvPr/>
+          </p:nvCxnSpPr>
+          <p:spPr>
+            <a:xfrm flipV="1">
+              <a:off x="4330237" y="1850322"/>
+              <a:ext cx="1114340" cy="853602"/>
+            </a:xfrm>
+            <a:prstGeom prst="straightConnector1">
+              <a:avLst/>
+            </a:prstGeom>
+            <a:ln w="12700">
+              <a:solidFill>
+                <a:srgbClr val="D4BBDD"/>
+              </a:solidFill>
+              <a:prstDash val="sysDash"/>
+              <a:tailEnd type="triangle"/>
+            </a:ln>
+          </p:spPr>
+          <p:style>
+            <a:lnRef idx="1">
+              <a:schemeClr val="accent1"/>
+            </a:lnRef>
+            <a:fillRef idx="0">
+              <a:schemeClr val="accent1"/>
+            </a:fillRef>
+            <a:effectRef idx="0">
+              <a:schemeClr val="accent1"/>
+            </a:effectRef>
+            <a:fontRef idx="minor">
+              <a:schemeClr val="tx1"/>
+            </a:fontRef>
+          </p:style>
+        </p:cxnSp>
+        <p:cxnSp>
+          <p:nvCxnSpPr>
+            <p:cNvPr id="10" name="Straight Arrow Connector 9">
+              <a:extLst>
+                <a:ext uri="{FF2B5EF4-FFF2-40B4-BE49-F238E27FC236}">
+                  <a16:creationId xmlns:a16="http://schemas.microsoft.com/office/drawing/2014/main" id="{7E3BDE66-ED7A-3F41-BA1D-43CE74AF4EE3}"/>
+                </a:ext>
+              </a:extLst>
+            </p:cNvPr>
+            <p:cNvCxnSpPr>
+              <a:cxnSpLocks/>
+              <a:stCxn id="30" idx="0"/>
+              <a:endCxn id="23" idx="3"/>
+            </p:cNvCxnSpPr>
+            <p:nvPr/>
+          </p:nvCxnSpPr>
+          <p:spPr>
+            <a:xfrm flipH="1" flipV="1">
+              <a:off x="8389610" y="1850322"/>
+              <a:ext cx="1114342" cy="867562"/>
+            </a:xfrm>
+            <a:prstGeom prst="straightConnector1">
+              <a:avLst/>
+            </a:prstGeom>
+            <a:ln w="12700">
+              <a:solidFill>
+                <a:srgbClr val="D4BBDD"/>
+              </a:solidFill>
+              <a:prstDash val="sysDash"/>
               <a:tailEnd type="triangle"/>
             </a:ln>
           </p:spPr>

--- a/diagrams/workflow.pptx
+++ b/diagrams/workflow.pptx
@@ -3361,8 +3361,8 @@
         </p:nvGrpSpPr>
         <p:grpSpPr>
           <a:xfrm>
-            <a:off x="221746" y="1245308"/>
-            <a:ext cx="11727808" cy="4128455"/>
+            <a:off x="-1520456" y="1234676"/>
+            <a:ext cx="14745917" cy="5102329"/>
             <a:chOff x="221746" y="1245308"/>
             <a:chExt cx="11727808" cy="4128455"/>
           </a:xfrm>
@@ -3416,7 +3416,7 @@
             <a:p>
               <a:pPr algn="ctr"/>
               <a:r>
-                <a:rPr lang="en-AU" sz="1600" dirty="0">
+                <a:rPr lang="en-AU" sz="2000" dirty="0">
                   <a:solidFill>
                     <a:schemeClr val="tx1"/>
                   </a:solidFill>
@@ -3475,7 +3475,7 @@
             <a:p>
               <a:pPr algn="ctr"/>
               <a:r>
-                <a:rPr lang="en-AU" sz="1600" dirty="0">
+                <a:rPr lang="en-AU" sz="2000" dirty="0">
                   <a:solidFill>
                     <a:schemeClr val="tx1"/>
                   </a:solidFill>
@@ -3534,7 +3534,7 @@
             <a:p>
               <a:pPr algn="ctr"/>
               <a:r>
-                <a:rPr lang="en-AU" sz="1600" dirty="0">
+                <a:rPr lang="en-AU" sz="2000" dirty="0">
                   <a:solidFill>
                     <a:schemeClr val="tx1"/>
                   </a:solidFill>
@@ -3593,7 +3593,7 @@
             <a:p>
               <a:pPr algn="ctr"/>
               <a:r>
-                <a:rPr lang="en-AU" sz="1600" dirty="0">
+                <a:rPr lang="en-AU" sz="2000" dirty="0">
                   <a:solidFill>
                     <a:schemeClr val="tx1"/>
                   </a:solidFill>
@@ -3652,7 +3652,7 @@
             <a:p>
               <a:pPr algn="ctr"/>
               <a:r>
-                <a:rPr lang="en-AU" sz="1600" dirty="0">
+                <a:rPr lang="en-AU" sz="2000" dirty="0">
                   <a:solidFill>
                     <a:schemeClr val="tx1"/>
                   </a:solidFill>
@@ -3941,7 +3941,7 @@
             <a:p>
               <a:pPr algn="ctr"/>
               <a:r>
-                <a:rPr lang="en-AU" sz="1600" dirty="0">
+                <a:rPr lang="en-AU" sz="2000" dirty="0">
                   <a:solidFill>
                     <a:schemeClr val="tx1"/>
                   </a:solidFill>
@@ -4046,7 +4046,7 @@
             <a:p>
               <a:pPr algn="ctr"/>
               <a:r>
-                <a:rPr lang="en-AU" sz="1600" dirty="0">
+                <a:rPr lang="en-AU" sz="2000" dirty="0">
                   <a:solidFill>
                     <a:schemeClr val="tx1"/>
                   </a:solidFill>
@@ -4105,7 +4105,7 @@
             <a:p>
               <a:pPr algn="ctr"/>
               <a:r>
-                <a:rPr lang="en-AU" sz="1600" dirty="0">
+                <a:rPr lang="en-AU" sz="2000" dirty="0">
                   <a:solidFill>
                     <a:schemeClr val="tx1"/>
                   </a:solidFill>
@@ -4304,7 +4304,7 @@
             <a:p>
               <a:pPr algn="ctr"/>
               <a:r>
-                <a:rPr lang="en-AU" sz="1600" dirty="0">
+                <a:rPr lang="en-AU" sz="2000" dirty="0">
                   <a:solidFill>
                     <a:schemeClr val="tx1"/>
                   </a:solidFill>
@@ -4411,7 +4411,7 @@
                 <a:buChar char="•"/>
               </a:pPr>
               <a:r>
-                <a:rPr lang="en-AU" sz="1600" dirty="0">
+                <a:rPr lang="en-AU" sz="2000" dirty="0">
                   <a:solidFill>
                     <a:schemeClr val="tx1"/>
                   </a:solidFill>
@@ -4425,7 +4425,7 @@
                 <a:buChar char="•"/>
               </a:pPr>
               <a:r>
-                <a:rPr lang="en-AU" sz="1600" dirty="0">
+                <a:rPr lang="en-AU" sz="2000" dirty="0">
                   <a:solidFill>
                     <a:schemeClr val="tx1"/>
                   </a:solidFill>
@@ -4439,7 +4439,7 @@
                 <a:buChar char="•"/>
               </a:pPr>
               <a:r>
-                <a:rPr lang="en-AU" sz="1600" dirty="0">
+                <a:rPr lang="en-AU" sz="2000" dirty="0">
                   <a:solidFill>
                     <a:schemeClr val="tx1"/>
                   </a:solidFill>
@@ -4453,7 +4453,7 @@
                 <a:buChar char="•"/>
               </a:pPr>
               <a:r>
-                <a:rPr lang="en-AU" sz="1600" dirty="0">
+                <a:rPr lang="en-AU" sz="2000" dirty="0">
                   <a:solidFill>
                     <a:schemeClr val="tx1"/>
                   </a:solidFill>
